--- a/Thesis/fig/figure paper.pptx
+++ b/Thesis/fig/figure paper.pptx
@@ -3081,177 +3081,182 @@
           </a:p>
         </p:txBody>
       </p:sp>
-      <p:grpSp>
-        <p:nvGrpSpPr>
-          <p:cNvPr id="204" name="Group 203"/>
-          <p:cNvGrpSpPr/>
-          <p:nvPr/>
-        </p:nvGrpSpPr>
-        <p:grpSpPr>
+      <p:sp>
+        <p:nvSpPr>
+          <p:cNvPr id="4" name="Rectangle 3"/>
+          <p:cNvSpPr/>
+          <p:nvPr/>
+        </p:nvSpPr>
+        <p:spPr>
           <a:xfrm>
             <a:off x="1576264" y="192088"/>
-            <a:ext cx="9001000" cy="8712968"/>
-            <a:chOff x="1576264" y="192088"/>
-            <a:chExt cx="9001000" cy="8712968"/>
-          </a:xfrm>
-        </p:grpSpPr>
-        <p:sp>
-          <p:nvSpPr>
-            <p:cNvPr id="4" name="Rectangle 3"/>
-            <p:cNvSpPr/>
-            <p:nvPr/>
-          </p:nvSpPr>
-          <p:spPr>
-            <a:xfrm>
-              <a:off x="1576264" y="192088"/>
-              <a:ext cx="4248472" cy="4176464"/>
-            </a:xfrm>
-            <a:prstGeom prst="rect">
-              <a:avLst/>
-            </a:prstGeom>
-            <a:noFill/>
-          </p:spPr>
-          <p:style>
-            <a:lnRef idx="2">
-              <a:schemeClr val="accent1"/>
-            </a:lnRef>
-            <a:fillRef idx="1">
-              <a:schemeClr val="lt1"/>
-            </a:fillRef>
-            <a:effectRef idx="0">
-              <a:schemeClr val="accent1"/>
-            </a:effectRef>
-            <a:fontRef idx="minor">
-              <a:schemeClr val="dk1"/>
-            </a:fontRef>
-          </p:style>
-          <p:txBody>
-            <a:bodyPr rtlCol="0" anchor="ctr"/>
-            <a:lstStyle/>
-            <a:p>
-              <a:pPr algn="ctr"/>
-              <a:endParaRPr lang="nl-BE"/>
-            </a:p>
-          </p:txBody>
-        </p:sp>
-        <p:sp>
-          <p:nvSpPr>
-            <p:cNvPr id="5" name="Rectangle 4"/>
-            <p:cNvSpPr/>
-            <p:nvPr/>
-          </p:nvSpPr>
-          <p:spPr>
-            <a:xfrm>
-              <a:off x="1576264" y="4728592"/>
-              <a:ext cx="4248472" cy="4176464"/>
-            </a:xfrm>
-            <a:prstGeom prst="rect">
-              <a:avLst/>
-            </a:prstGeom>
-            <a:noFill/>
-          </p:spPr>
-          <p:style>
-            <a:lnRef idx="2">
-              <a:schemeClr val="accent1"/>
-            </a:lnRef>
-            <a:fillRef idx="1">
-              <a:schemeClr val="lt1"/>
-            </a:fillRef>
-            <a:effectRef idx="0">
-              <a:schemeClr val="accent1"/>
-            </a:effectRef>
-            <a:fontRef idx="minor">
-              <a:schemeClr val="dk1"/>
-            </a:fontRef>
-          </p:style>
-          <p:txBody>
-            <a:bodyPr rtlCol="0" anchor="ctr"/>
-            <a:lstStyle/>
-            <a:p>
-              <a:pPr algn="ctr"/>
-              <a:endParaRPr lang="nl-BE"/>
-            </a:p>
-          </p:txBody>
-        </p:sp>
-        <p:sp>
-          <p:nvSpPr>
-            <p:cNvPr id="6" name="Rectangle 5"/>
-            <p:cNvSpPr/>
-            <p:nvPr/>
-          </p:nvSpPr>
-          <p:spPr>
-            <a:xfrm>
-              <a:off x="6328792" y="4728592"/>
-              <a:ext cx="4248472" cy="4176464"/>
-            </a:xfrm>
-            <a:prstGeom prst="rect">
-              <a:avLst/>
-            </a:prstGeom>
-            <a:noFill/>
-          </p:spPr>
-          <p:style>
-            <a:lnRef idx="2">
-              <a:schemeClr val="accent1"/>
-            </a:lnRef>
-            <a:fillRef idx="1">
-              <a:schemeClr val="lt1"/>
-            </a:fillRef>
-            <a:effectRef idx="0">
-              <a:schemeClr val="accent1"/>
-            </a:effectRef>
-            <a:fontRef idx="minor">
-              <a:schemeClr val="dk1"/>
-            </a:fontRef>
-          </p:style>
-          <p:txBody>
-            <a:bodyPr rtlCol="0" anchor="ctr"/>
-            <a:lstStyle/>
-            <a:p>
-              <a:pPr algn="ctr"/>
-              <a:endParaRPr lang="nl-BE" dirty="0"/>
-            </a:p>
-          </p:txBody>
-        </p:sp>
-        <p:sp>
-          <p:nvSpPr>
-            <p:cNvPr id="116" name="Rectangle 115"/>
-            <p:cNvSpPr/>
-            <p:nvPr/>
-          </p:nvSpPr>
-          <p:spPr>
-            <a:xfrm>
-              <a:off x="6328792" y="192088"/>
-              <a:ext cx="4248472" cy="4176464"/>
-            </a:xfrm>
-            <a:prstGeom prst="rect">
-              <a:avLst/>
-            </a:prstGeom>
-            <a:noFill/>
-          </p:spPr>
-          <p:style>
-            <a:lnRef idx="2">
-              <a:schemeClr val="accent1"/>
-            </a:lnRef>
-            <a:fillRef idx="1">
-              <a:schemeClr val="lt1"/>
-            </a:fillRef>
-            <a:effectRef idx="0">
-              <a:schemeClr val="accent1"/>
-            </a:effectRef>
-            <a:fontRef idx="minor">
-              <a:schemeClr val="dk1"/>
-            </a:fontRef>
-          </p:style>
-          <p:txBody>
-            <a:bodyPr rtlCol="0" anchor="ctr"/>
-            <a:lstStyle/>
-            <a:p>
-              <a:pPr algn="ctr"/>
-              <a:endParaRPr lang="nl-BE" dirty="0"/>
-            </a:p>
-          </p:txBody>
-        </p:sp>
-      </p:grpSp>
+            <a:ext cx="4248472" cy="4176464"/>
+          </a:xfrm>
+          <a:prstGeom prst="rect">
+            <a:avLst/>
+          </a:prstGeom>
+          <a:noFill/>
+          <a:ln>
+            <a:solidFill>
+              <a:schemeClr val="tx1"/>
+            </a:solidFill>
+          </a:ln>
+        </p:spPr>
+        <p:style>
+          <a:lnRef idx="2">
+            <a:schemeClr val="accent1"/>
+          </a:lnRef>
+          <a:fillRef idx="1">
+            <a:schemeClr val="lt1"/>
+          </a:fillRef>
+          <a:effectRef idx="0">
+            <a:schemeClr val="accent1"/>
+          </a:effectRef>
+          <a:fontRef idx="minor">
+            <a:schemeClr val="dk1"/>
+          </a:fontRef>
+        </p:style>
+        <p:txBody>
+          <a:bodyPr rtlCol="0" anchor="ctr"/>
+          <a:lstStyle/>
+          <a:p>
+            <a:pPr algn="ctr"/>
+            <a:endParaRPr lang="nl-BE"/>
+          </a:p>
+        </p:txBody>
+      </p:sp>
+      <p:sp>
+        <p:nvSpPr>
+          <p:cNvPr id="5" name="Rectangle 4"/>
+          <p:cNvSpPr/>
+          <p:nvPr/>
+        </p:nvSpPr>
+        <p:spPr>
+          <a:xfrm>
+            <a:off x="1576264" y="4728592"/>
+            <a:ext cx="4248472" cy="4176464"/>
+          </a:xfrm>
+          <a:prstGeom prst="rect">
+            <a:avLst/>
+          </a:prstGeom>
+          <a:noFill/>
+          <a:ln>
+            <a:solidFill>
+              <a:schemeClr val="tx1"/>
+            </a:solidFill>
+          </a:ln>
+        </p:spPr>
+        <p:style>
+          <a:lnRef idx="2">
+            <a:schemeClr val="accent1"/>
+          </a:lnRef>
+          <a:fillRef idx="1">
+            <a:schemeClr val="lt1"/>
+          </a:fillRef>
+          <a:effectRef idx="0">
+            <a:schemeClr val="accent1"/>
+          </a:effectRef>
+          <a:fontRef idx="minor">
+            <a:schemeClr val="dk1"/>
+          </a:fontRef>
+        </p:style>
+        <p:txBody>
+          <a:bodyPr rtlCol="0" anchor="ctr"/>
+          <a:lstStyle/>
+          <a:p>
+            <a:pPr algn="ctr"/>
+            <a:endParaRPr lang="nl-BE"/>
+          </a:p>
+        </p:txBody>
+      </p:sp>
+      <p:sp>
+        <p:nvSpPr>
+          <p:cNvPr id="6" name="Rectangle 5"/>
+          <p:cNvSpPr/>
+          <p:nvPr/>
+        </p:nvSpPr>
+        <p:spPr>
+          <a:xfrm>
+            <a:off x="6328792" y="4728592"/>
+            <a:ext cx="4248472" cy="4176464"/>
+          </a:xfrm>
+          <a:prstGeom prst="rect">
+            <a:avLst/>
+          </a:prstGeom>
+          <a:noFill/>
+          <a:ln>
+            <a:solidFill>
+              <a:schemeClr val="tx1"/>
+            </a:solidFill>
+          </a:ln>
+        </p:spPr>
+        <p:style>
+          <a:lnRef idx="2">
+            <a:schemeClr val="accent1"/>
+          </a:lnRef>
+          <a:fillRef idx="1">
+            <a:schemeClr val="lt1"/>
+          </a:fillRef>
+          <a:effectRef idx="0">
+            <a:schemeClr val="accent1"/>
+          </a:effectRef>
+          <a:fontRef idx="minor">
+            <a:schemeClr val="dk1"/>
+          </a:fontRef>
+        </p:style>
+        <p:txBody>
+          <a:bodyPr rtlCol="0" anchor="ctr"/>
+          <a:lstStyle/>
+          <a:p>
+            <a:pPr algn="ctr"/>
+            <a:endParaRPr lang="nl-BE" dirty="0"/>
+          </a:p>
+        </p:txBody>
+      </p:sp>
+      <p:sp>
+        <p:nvSpPr>
+          <p:cNvPr id="116" name="Rectangle 115"/>
+          <p:cNvSpPr/>
+          <p:nvPr/>
+        </p:nvSpPr>
+        <p:spPr>
+          <a:xfrm>
+            <a:off x="6328792" y="192088"/>
+            <a:ext cx="4248472" cy="4176464"/>
+          </a:xfrm>
+          <a:prstGeom prst="rect">
+            <a:avLst/>
+          </a:prstGeom>
+          <a:noFill/>
+          <a:ln>
+            <a:solidFill>
+              <a:schemeClr val="tx1"/>
+            </a:solidFill>
+          </a:ln>
+        </p:spPr>
+        <p:style>
+          <a:lnRef idx="2">
+            <a:schemeClr val="accent1"/>
+          </a:lnRef>
+          <a:fillRef idx="1">
+            <a:schemeClr val="lt1"/>
+          </a:fillRef>
+          <a:effectRef idx="0">
+            <a:schemeClr val="accent1"/>
+          </a:effectRef>
+          <a:fontRef idx="minor">
+            <a:schemeClr val="dk1"/>
+          </a:fontRef>
+        </p:style>
+        <p:txBody>
+          <a:bodyPr rtlCol="0" anchor="ctr"/>
+          <a:lstStyle/>
+          <a:p>
+            <a:pPr algn="ctr"/>
+            <a:endParaRPr lang="nl-BE" dirty="0"/>
+          </a:p>
+        </p:txBody>
+      </p:sp>
       <p:cxnSp>
         <p:nvCxnSpPr>
           <p:cNvPr id="383" name="Straight Connector 382"/>
@@ -4412,10 +4417,10 @@
           <a:p>
             <a:pPr algn="ctr"/>
             <a:r>
-              <a:rPr lang="en-US" sz="1600" dirty="0"/>
+              <a:rPr lang="en-US" sz="1600" b="1" dirty="0"/>
               <a:t>…</a:t>
             </a:r>
-            <a:endParaRPr lang="nl-BE" sz="1600" dirty="0"/>
+            <a:endParaRPr lang="nl-BE" sz="1600" b="1" dirty="0"/>
           </a:p>
         </p:txBody>
       </p:sp>
@@ -4482,6 +4487,9 @@
           </a:prstGeom>
           <a:noFill/>
           <a:ln>
+            <a:solidFill>
+              <a:srgbClr val="FF0000"/>
+            </a:solidFill>
             <a:prstDash val="dash"/>
           </a:ln>
         </p:spPr>
@@ -4524,6 +4532,9 @@
           </a:prstGeom>
           <a:noFill/>
           <a:ln>
+            <a:solidFill>
+              <a:srgbClr val="FF0000"/>
+            </a:solidFill>
             <a:prstDash val="dash"/>
           </a:ln>
         </p:spPr>
@@ -4558,6 +4569,9 @@
           </a:prstGeom>
           <a:noFill/>
           <a:ln>
+            <a:solidFill>
+              <a:srgbClr val="FF0000"/>
+            </a:solidFill>
             <a:prstDash val="dash"/>
           </a:ln>
         </p:spPr>
@@ -4639,6 +4653,9 @@
           </a:prstGeom>
           <a:noFill/>
           <a:ln>
+            <a:solidFill>
+              <a:srgbClr val="FF0000"/>
+            </a:solidFill>
             <a:prstDash val="dash"/>
           </a:ln>
         </p:spPr>
@@ -4681,6 +4698,9 @@
           </a:prstGeom>
           <a:noFill/>
           <a:ln>
+            <a:solidFill>
+              <a:srgbClr val="FF0000"/>
+            </a:solidFill>
             <a:prstDash val="dash"/>
           </a:ln>
         </p:spPr>
@@ -4715,6 +4735,9 @@
           </a:prstGeom>
           <a:noFill/>
           <a:ln>
+            <a:solidFill>
+              <a:srgbClr val="FF0000"/>
+            </a:solidFill>
             <a:prstDash val="dash"/>
           </a:ln>
         </p:spPr>
@@ -4755,6 +4778,11 @@
               <a:lumOff val="80000"/>
             </a:schemeClr>
           </a:solidFill>
+          <a:ln>
+            <a:solidFill>
+              <a:schemeClr val="tx1"/>
+            </a:solidFill>
+          </a:ln>
         </p:spPr>
         <p:style>
           <a:lnRef idx="2">
@@ -4803,6 +4831,11 @@
               <a:lumOff val="80000"/>
             </a:schemeClr>
           </a:solidFill>
+          <a:ln>
+            <a:solidFill>
+              <a:schemeClr val="tx1"/>
+            </a:solidFill>
+          </a:ln>
         </p:spPr>
         <p:style>
           <a:lnRef idx="2">
@@ -4869,10 +4902,10 @@
           <a:p>
             <a:pPr algn="ctr"/>
             <a:r>
-              <a:rPr lang="en-US" sz="1600" dirty="0"/>
+              <a:rPr lang="en-US" sz="1600" b="1" dirty="0"/>
               <a:t>…</a:t>
             </a:r>
-            <a:endParaRPr lang="nl-BE" sz="1600" dirty="0"/>
+            <a:endParaRPr lang="nl-BE" sz="1600" b="1" dirty="0"/>
           </a:p>
         </p:txBody>
       </p:sp>
@@ -5209,6 +5242,9 @@
           </a:prstGeom>
           <a:noFill/>
           <a:ln>
+            <a:solidFill>
+              <a:srgbClr val="FF0000"/>
+            </a:solidFill>
             <a:prstDash val="dash"/>
           </a:ln>
         </p:spPr>
@@ -5251,6 +5287,9 @@
           </a:prstGeom>
           <a:noFill/>
           <a:ln>
+            <a:solidFill>
+              <a:srgbClr val="FF0000"/>
+            </a:solidFill>
             <a:prstDash val="dash"/>
           </a:ln>
         </p:spPr>
@@ -5285,6 +5324,9 @@
           </a:prstGeom>
           <a:noFill/>
           <a:ln>
+            <a:solidFill>
+              <a:srgbClr val="FF0000"/>
+            </a:solidFill>
             <a:prstDash val="dash"/>
           </a:ln>
         </p:spPr>
@@ -5319,6 +5361,9 @@
           </a:prstGeom>
           <a:noFill/>
           <a:ln>
+            <a:solidFill>
+              <a:srgbClr val="FF0000"/>
+            </a:solidFill>
             <a:prstDash val="dash"/>
           </a:ln>
         </p:spPr>
@@ -7707,6 +7752,9 @@
           </a:prstGeom>
           <a:noFill/>
           <a:ln>
+            <a:solidFill>
+              <a:srgbClr val="00B050"/>
+            </a:solidFill>
             <a:prstDash val="dash"/>
           </a:ln>
         </p:spPr>
@@ -7729,7 +7777,11 @@
           <a:lstStyle/>
           <a:p>
             <a:pPr algn="ctr"/>
-            <a:endParaRPr lang="nl-BE"/>
+            <a:endParaRPr lang="nl-BE" dirty="0">
+              <a:solidFill>
+                <a:srgbClr val="00B050"/>
+              </a:solidFill>
+            </a:endParaRPr>
           </a:p>
         </p:txBody>
       </p:sp>
@@ -8281,7 +8333,7 @@
         </p:nvSpPr>
         <p:spPr>
           <a:xfrm rot="5400000">
-            <a:off x="6008417" y="5481015"/>
+            <a:off x="5972414" y="5445011"/>
             <a:ext cx="1046375" cy="261610"/>
           </a:xfrm>
           <a:prstGeom prst="rect">
@@ -8311,7 +8363,7 @@
         </p:nvSpPr>
         <p:spPr>
           <a:xfrm>
-            <a:off x="6470549" y="8643446"/>
+            <a:off x="6470549" y="8679450"/>
             <a:ext cx="1046375" cy="261610"/>
           </a:xfrm>
           <a:prstGeom prst="rect">
@@ -10105,6 +10157,9 @@
           </a:prstGeom>
           <a:noFill/>
           <a:ln>
+            <a:solidFill>
+              <a:srgbClr val="00B050"/>
+            </a:solidFill>
             <a:prstDash val="dash"/>
           </a:ln>
         </p:spPr>
@@ -10154,16 +10209,16 @@
           <a:lstStyle/>
           <a:p>
             <a:r>
-              <a:rPr lang="en-US" sz="1100" dirty="0" smtClean="0">
+              <a:rPr lang="en-US" sz="1100" b="1" dirty="0" smtClean="0">
                 <a:solidFill>
-                  <a:schemeClr val="accent1"/>
+                  <a:srgbClr val="00B050"/>
                 </a:solidFill>
               </a:rPr>
               <a:t>Cell_0</a:t>
             </a:r>
-            <a:endParaRPr lang="nl-BE" sz="1100" dirty="0">
+            <a:endParaRPr lang="nl-BE" sz="1100" b="1" dirty="0">
               <a:solidFill>
-                <a:schemeClr val="accent1"/>
+                <a:srgbClr val="00B050"/>
               </a:solidFill>
             </a:endParaRPr>
           </a:p>
@@ -10185,6 +10240,9 @@
           </a:prstGeom>
           <a:noFill/>
           <a:ln>
+            <a:solidFill>
+              <a:srgbClr val="00B050"/>
+            </a:solidFill>
             <a:prstDash val="dash"/>
           </a:ln>
         </p:spPr>
@@ -10234,16 +10292,16 @@
           <a:lstStyle/>
           <a:p>
             <a:r>
-              <a:rPr lang="en-US" sz="1100" dirty="0" smtClean="0">
+              <a:rPr lang="en-US" sz="1100" b="1" dirty="0" smtClean="0">
                 <a:solidFill>
-                  <a:schemeClr val="accent1"/>
+                  <a:srgbClr val="00B050"/>
                 </a:solidFill>
               </a:rPr>
               <a:t>Ref cell</a:t>
             </a:r>
-            <a:endParaRPr lang="nl-BE" sz="1100" dirty="0">
+            <a:endParaRPr lang="nl-BE" sz="1100" b="1" dirty="0">
               <a:solidFill>
-                <a:schemeClr val="accent1"/>
+                <a:srgbClr val="00B050"/>
               </a:solidFill>
             </a:endParaRPr>
           </a:p>
@@ -10443,14 +10501,14 @@
             <a:p>
               <a:pPr algn="ctr"/>
               <a:r>
-                <a:rPr lang="en-US" sz="1100" dirty="0" smtClean="0">
+                <a:rPr lang="en-US" sz="1400" b="1" dirty="0" smtClean="0">
                   <a:solidFill>
                     <a:schemeClr val="tx1"/>
                   </a:solidFill>
                 </a:rPr>
                 <a:t>…</a:t>
               </a:r>
-              <a:endParaRPr lang="nl-BE" sz="1100" dirty="0">
+              <a:endParaRPr lang="nl-BE" sz="1400" b="1" dirty="0">
                 <a:solidFill>
                   <a:schemeClr val="tx1"/>
                 </a:solidFill>
@@ -10848,16 +10906,16 @@
           <a:lstStyle/>
           <a:p>
             <a:r>
-              <a:rPr lang="en-US" sz="1100" dirty="0" smtClean="0">
+              <a:rPr lang="en-US" sz="1100" b="1" dirty="0" smtClean="0">
                 <a:solidFill>
-                  <a:schemeClr val="accent1"/>
+                  <a:srgbClr val="00B050"/>
                 </a:solidFill>
               </a:rPr>
               <a:t>SA</a:t>
             </a:r>
-            <a:endParaRPr lang="nl-BE" sz="1100" dirty="0">
+            <a:endParaRPr lang="nl-BE" sz="1100" b="1" dirty="0">
               <a:solidFill>
-                <a:schemeClr val="accent1"/>
+                <a:srgbClr val="00B050"/>
               </a:solidFill>
             </a:endParaRPr>
           </a:p>

--- a/Thesis/fig/figure paper.pptx
+++ b/Thesis/fig/figure paper.pptx
@@ -3098,7 +3098,7 @@
           <a:noFill/>
           <a:ln>
             <a:solidFill>
-              <a:schemeClr val="tx1"/>
+              <a:srgbClr val="009644"/>
             </a:solidFill>
           </a:ln>
         </p:spPr>
@@ -3142,7 +3142,7 @@
           <a:noFill/>
           <a:ln>
             <a:solidFill>
-              <a:schemeClr val="tx1"/>
+              <a:srgbClr val="009644"/>
             </a:solidFill>
           </a:ln>
         </p:spPr>
@@ -3186,7 +3186,7 @@
           <a:noFill/>
           <a:ln>
             <a:solidFill>
-              <a:schemeClr val="tx1"/>
+              <a:srgbClr val="009644"/>
             </a:solidFill>
           </a:ln>
         </p:spPr>
@@ -3230,7 +3230,7 @@
           <a:noFill/>
           <a:ln>
             <a:solidFill>
-              <a:schemeClr val="tx1"/>
+              <a:srgbClr val="009644"/>
             </a:solidFill>
           </a:ln>
         </p:spPr>
@@ -7753,7 +7753,7 @@
           <a:noFill/>
           <a:ln>
             <a:solidFill>
-              <a:srgbClr val="00B050"/>
+              <a:srgbClr val="009644"/>
             </a:solidFill>
             <a:prstDash val="dash"/>
           </a:ln>
@@ -7779,7 +7779,7 @@
             <a:pPr algn="ctr"/>
             <a:endParaRPr lang="nl-BE" dirty="0">
               <a:solidFill>
-                <a:srgbClr val="00B050"/>
+                <a:srgbClr val="009644"/>
               </a:solidFill>
             </a:endParaRPr>
           </a:p>
@@ -8235,7 +8235,7 @@
         </p:nvSpPr>
         <p:spPr>
           <a:xfrm>
-            <a:off x="6328792" y="4728592"/>
+            <a:off x="6470549" y="4935034"/>
             <a:ext cx="1046375" cy="261610"/>
           </a:xfrm>
           <a:prstGeom prst="rect">
@@ -10158,7 +10158,7 @@
           <a:noFill/>
           <a:ln>
             <a:solidFill>
-              <a:srgbClr val="00B050"/>
+              <a:srgbClr val="009644"/>
             </a:solidFill>
             <a:prstDash val="dash"/>
           </a:ln>
@@ -10182,7 +10182,11 @@
           <a:lstStyle/>
           <a:p>
             <a:pPr algn="ctr"/>
-            <a:endParaRPr lang="nl-BE"/>
+            <a:endParaRPr lang="nl-BE" dirty="0">
+              <a:solidFill>
+                <a:srgbClr val="009644"/>
+              </a:solidFill>
+            </a:endParaRPr>
           </a:p>
         </p:txBody>
       </p:sp>
@@ -10211,14 +10215,14 @@
             <a:r>
               <a:rPr lang="en-US" sz="1100" b="1" dirty="0" smtClean="0">
                 <a:solidFill>
-                  <a:srgbClr val="00B050"/>
+                  <a:srgbClr val="009644"/>
                 </a:solidFill>
               </a:rPr>
               <a:t>Cell_0</a:t>
             </a:r>
             <a:endParaRPr lang="nl-BE" sz="1100" b="1" dirty="0">
               <a:solidFill>
-                <a:srgbClr val="00B050"/>
+                <a:srgbClr val="009644"/>
               </a:solidFill>
             </a:endParaRPr>
           </a:p>
@@ -10241,7 +10245,7 @@
           <a:noFill/>
           <a:ln>
             <a:solidFill>
-              <a:srgbClr val="00B050"/>
+              <a:srgbClr val="009644"/>
             </a:solidFill>
             <a:prstDash val="dash"/>
           </a:ln>
@@ -10265,7 +10269,11 @@
           <a:lstStyle/>
           <a:p>
             <a:pPr algn="ctr"/>
-            <a:endParaRPr lang="nl-BE"/>
+            <a:endParaRPr lang="nl-BE" dirty="0">
+              <a:solidFill>
+                <a:srgbClr val="009644"/>
+              </a:solidFill>
+            </a:endParaRPr>
           </a:p>
         </p:txBody>
       </p:sp>
@@ -10294,14 +10302,14 @@
             <a:r>
               <a:rPr lang="en-US" sz="1100" b="1" dirty="0" smtClean="0">
                 <a:solidFill>
-                  <a:srgbClr val="00B050"/>
+                  <a:srgbClr val="009644"/>
                 </a:solidFill>
               </a:rPr>
               <a:t>Ref cell</a:t>
             </a:r>
             <a:endParaRPr lang="nl-BE" sz="1100" b="1" dirty="0">
               <a:solidFill>
-                <a:srgbClr val="00B050"/>
+                <a:srgbClr val="009644"/>
               </a:solidFill>
             </a:endParaRPr>
           </a:p>
@@ -10908,14 +10916,14 @@
             <a:r>
               <a:rPr lang="en-US" sz="1100" b="1" dirty="0" smtClean="0">
                 <a:solidFill>
-                  <a:srgbClr val="00B050"/>
+                  <a:srgbClr val="009644"/>
                 </a:solidFill>
               </a:rPr>
               <a:t>SA</a:t>
             </a:r>
             <a:endParaRPr lang="nl-BE" sz="1100" b="1" dirty="0">
               <a:solidFill>
-                <a:srgbClr val="00B050"/>
+                <a:srgbClr val="009644"/>
               </a:solidFill>
             </a:endParaRPr>
           </a:p>
@@ -10998,6 +11006,166 @@
               <a:t>L</a:t>
             </a:r>
             <a:endParaRPr lang="nl-BE" sz="1100" b="1" dirty="0">
+              <a:solidFill>
+                <a:srgbClr val="FF0000"/>
+              </a:solidFill>
+            </a:endParaRPr>
+          </a:p>
+        </p:txBody>
+      </p:sp>
+      <p:sp>
+        <p:nvSpPr>
+          <p:cNvPr id="592" name="TextBox 591"/>
+          <p:cNvSpPr txBox="1"/>
+          <p:nvPr/>
+        </p:nvSpPr>
+        <p:spPr>
+          <a:xfrm>
+            <a:off x="1576264" y="192088"/>
+            <a:ext cx="2052228" cy="307777"/>
+          </a:xfrm>
+          <a:prstGeom prst="rect">
+            <a:avLst/>
+          </a:prstGeom>
+          <a:noFill/>
+        </p:spPr>
+        <p:txBody>
+          <a:bodyPr wrap="square" rtlCol="0">
+            <a:spAutoFit/>
+          </a:bodyPr>
+          <a:lstStyle/>
+          <a:p>
+            <a:r>
+              <a:rPr lang="en-US" sz="1400" b="1" dirty="0" smtClean="0">
+                <a:solidFill>
+                  <a:srgbClr val="FF0000"/>
+                </a:solidFill>
+              </a:rPr>
+              <a:t>Global  Architecture</a:t>
+            </a:r>
+            <a:endParaRPr lang="nl-BE" sz="1400" b="1" dirty="0">
+              <a:solidFill>
+                <a:srgbClr val="FF0000"/>
+              </a:solidFill>
+            </a:endParaRPr>
+          </a:p>
+        </p:txBody>
+      </p:sp>
+      <p:sp>
+        <p:nvSpPr>
+          <p:cNvPr id="593" name="TextBox 592"/>
+          <p:cNvSpPr txBox="1"/>
+          <p:nvPr/>
+        </p:nvSpPr>
+        <p:spPr>
+          <a:xfrm>
+            <a:off x="1576264" y="4738688"/>
+            <a:ext cx="2052228" cy="307777"/>
+          </a:xfrm>
+          <a:prstGeom prst="rect">
+            <a:avLst/>
+          </a:prstGeom>
+          <a:noFill/>
+        </p:spPr>
+        <p:txBody>
+          <a:bodyPr wrap="square" rtlCol="0">
+            <a:spAutoFit/>
+          </a:bodyPr>
+          <a:lstStyle/>
+          <a:p>
+            <a:r>
+              <a:rPr lang="en-US" sz="1400" b="1" dirty="0" smtClean="0">
+                <a:solidFill>
+                  <a:srgbClr val="FF0000"/>
+                </a:solidFill>
+              </a:rPr>
+              <a:t>Global  Block</a:t>
+            </a:r>
+            <a:endParaRPr lang="nl-BE" sz="1400" b="1" dirty="0">
+              <a:solidFill>
+                <a:srgbClr val="FF0000"/>
+              </a:solidFill>
+            </a:endParaRPr>
+          </a:p>
+        </p:txBody>
+      </p:sp>
+      <p:sp>
+        <p:nvSpPr>
+          <p:cNvPr id="594" name="TextBox 593"/>
+          <p:cNvSpPr txBox="1"/>
+          <p:nvPr/>
+        </p:nvSpPr>
+        <p:spPr>
+          <a:xfrm>
+            <a:off x="6324600" y="4738688"/>
+            <a:ext cx="2052228" cy="307777"/>
+          </a:xfrm>
+          <a:prstGeom prst="rect">
+            <a:avLst/>
+          </a:prstGeom>
+          <a:noFill/>
+        </p:spPr>
+        <p:txBody>
+          <a:bodyPr wrap="square" rtlCol="0">
+            <a:spAutoFit/>
+          </a:bodyPr>
+          <a:lstStyle/>
+          <a:p>
+            <a:r>
+              <a:rPr lang="en-US" sz="1400" b="1" dirty="0" smtClean="0">
+                <a:solidFill>
+                  <a:srgbClr val="FF0000"/>
+                </a:solidFill>
+              </a:rPr>
+              <a:t>Local</a:t>
+            </a:r>
+            <a:r>
+              <a:rPr lang="en-US" sz="1400" b="1" dirty="0" smtClean="0">
+                <a:solidFill>
+                  <a:srgbClr val="FF0000"/>
+                </a:solidFill>
+              </a:rPr>
+              <a:t>  Block</a:t>
+            </a:r>
+            <a:endParaRPr lang="nl-BE" sz="1400" b="1" dirty="0">
+              <a:solidFill>
+                <a:srgbClr val="FF0000"/>
+              </a:solidFill>
+            </a:endParaRPr>
+          </a:p>
+        </p:txBody>
+      </p:sp>
+      <p:sp>
+        <p:nvSpPr>
+          <p:cNvPr id="595" name="TextBox 594"/>
+          <p:cNvSpPr txBox="1"/>
+          <p:nvPr/>
+        </p:nvSpPr>
+        <p:spPr>
+          <a:xfrm>
+            <a:off x="6322380" y="213296"/>
+            <a:ext cx="2052228" cy="307777"/>
+          </a:xfrm>
+          <a:prstGeom prst="rect">
+            <a:avLst/>
+          </a:prstGeom>
+          <a:noFill/>
+        </p:spPr>
+        <p:txBody>
+          <a:bodyPr wrap="square" rtlCol="0">
+            <a:spAutoFit/>
+          </a:bodyPr>
+          <a:lstStyle/>
+          <a:p>
+            <a:r>
+              <a:rPr lang="en-US" sz="1400" b="1" dirty="0" smtClean="0">
+                <a:solidFill>
+                  <a:srgbClr val="FF0000"/>
+                </a:solidFill>
+              </a:rPr>
+              <a:t>Branch</a:t>
+            </a:r>
+            <a:endParaRPr lang="nl-BE" sz="1400" b="1" dirty="0">
               <a:solidFill>
                 <a:srgbClr val="FF0000"/>
               </a:solidFill>

--- a/Thesis/fig/figure paper.pptx
+++ b/Thesis/fig/figure paper.pptx
@@ -3044,40 +3044,24 @@
         <p:spPr>
           <a:xfrm>
             <a:off x="1360240" y="0"/>
-            <a:ext cx="9469052" cy="9157084"/>
+            <a:ext cx="9469052" cy="338554"/>
           </a:xfrm>
           <a:prstGeom prst="rect">
             <a:avLst/>
           </a:prstGeom>
-          <a:solidFill>
-            <a:schemeClr val="bg1"/>
-          </a:solidFill>
-          <a:ln>
-            <a:noFill/>
-          </a:ln>
-        </p:spPr>
-        <p:style>
-          <a:lnRef idx="2">
-            <a:schemeClr val="accent1">
-              <a:shade val="50000"/>
-            </a:schemeClr>
-          </a:lnRef>
-          <a:fillRef idx="1">
-            <a:schemeClr val="accent1"/>
-          </a:fillRef>
-          <a:effectRef idx="0">
-            <a:schemeClr val="accent1"/>
-          </a:effectRef>
-          <a:fontRef idx="minor">
-            <a:schemeClr val="lt1"/>
-          </a:fontRef>
-        </p:style>
-        <p:txBody>
-          <a:bodyPr rtlCol="0" anchor="ctr"/>
+          <a:noFill/>
+        </p:spPr>
+        <p:txBody>
+          <a:bodyPr wrap="square" rtlCol="0">
+            <a:spAutoFit/>
+          </a:bodyPr>
           <a:lstStyle/>
           <a:p>
-            <a:pPr algn="ctr"/>
-            <a:endParaRPr lang="nl-BE"/>
+            <a:endParaRPr lang="nl-BE" sz="1600" b="1" dirty="0">
+              <a:solidFill>
+                <a:srgbClr val="FF0000"/>
+              </a:solidFill>
+            </a:endParaRPr>
           </a:p>
         </p:txBody>
       </p:sp>
@@ -3098,7 +3082,7 @@
           <a:noFill/>
           <a:ln>
             <a:solidFill>
-              <a:srgbClr val="009644"/>
+              <a:srgbClr val="0000FF"/>
             </a:solidFill>
           </a:ln>
         </p:spPr>
@@ -3142,7 +3126,7 @@
           <a:noFill/>
           <a:ln>
             <a:solidFill>
-              <a:srgbClr val="009644"/>
+              <a:srgbClr val="0000FF"/>
             </a:solidFill>
           </a:ln>
         </p:spPr>
@@ -3186,7 +3170,7 @@
           <a:noFill/>
           <a:ln>
             <a:solidFill>
-              <a:srgbClr val="009644"/>
+              <a:srgbClr val="0000FF"/>
             </a:solidFill>
           </a:ln>
         </p:spPr>
@@ -3230,7 +3214,7 @@
           <a:noFill/>
           <a:ln>
             <a:solidFill>
-              <a:srgbClr val="009644"/>
+              <a:srgbClr val="0000FF"/>
             </a:solidFill>
           </a:ln>
         </p:spPr>
@@ -4323,10 +4307,10 @@
           <a:p>
             <a:pPr algn="ctr"/>
             <a:r>
-              <a:rPr lang="en-US" sz="1600" dirty="0" smtClean="0"/>
+              <a:rPr lang="en-US" sz="1800" dirty="0" smtClean="0"/>
               <a:t>GB0</a:t>
             </a:r>
-            <a:endParaRPr lang="nl-BE" sz="1600" dirty="0"/>
+            <a:endParaRPr lang="nl-BE" sz="1800" dirty="0"/>
           </a:p>
         </p:txBody>
       </p:sp>
@@ -4370,10 +4354,10 @@
           <a:p>
             <a:pPr algn="ctr"/>
             <a:r>
-              <a:rPr lang="en-US" sz="1600" dirty="0"/>
+              <a:rPr lang="en-US" sz="1800" dirty="0"/>
               <a:t>GB1</a:t>
             </a:r>
-            <a:endParaRPr lang="nl-BE" sz="1600" dirty="0"/>
+            <a:endParaRPr lang="nl-BE" sz="1800" dirty="0"/>
           </a:p>
         </p:txBody>
       </p:sp>
@@ -4433,7 +4417,7 @@
         <p:spPr>
           <a:xfrm>
             <a:off x="4024536" y="1128192"/>
-            <a:ext cx="792088" cy="3096344"/>
+            <a:ext cx="900100" cy="3096344"/>
           </a:xfrm>
           <a:prstGeom prst="rect">
             <a:avLst/>
@@ -4464,10 +4448,10 @@
           <a:p>
             <a:pPr algn="ctr"/>
             <a:r>
-              <a:rPr lang="en-US" sz="1600" dirty="0"/>
+              <a:rPr lang="en-US" sz="1800" dirty="0"/>
               <a:t>GB511</a:t>
             </a:r>
-            <a:endParaRPr lang="nl-BE" sz="1600" dirty="0"/>
+            <a:endParaRPr lang="nl-BE" sz="1800" dirty="0"/>
           </a:p>
         </p:txBody>
       </p:sp>
@@ -4630,10 +4614,10 @@
           <a:p>
             <a:pPr algn="ctr"/>
             <a:r>
-              <a:rPr lang="en-US" sz="1600" dirty="0"/>
+              <a:rPr lang="en-US" sz="1800" dirty="0"/>
               <a:t>LB1</a:t>
             </a:r>
-            <a:endParaRPr lang="nl-BE" sz="1600" dirty="0"/>
+            <a:endParaRPr lang="nl-BE" sz="1800" dirty="0"/>
           </a:p>
         </p:txBody>
       </p:sp>
@@ -4949,10 +4933,10 @@
           <a:p>
             <a:pPr algn="ctr"/>
             <a:r>
-              <a:rPr lang="en-US" sz="1600" dirty="0"/>
+              <a:rPr lang="en-US" sz="1800" dirty="0"/>
               <a:t>Branch_0</a:t>
             </a:r>
-            <a:endParaRPr lang="nl-BE" sz="1600" dirty="0"/>
+            <a:endParaRPr lang="nl-BE" sz="1800" dirty="0"/>
           </a:p>
         </p:txBody>
       </p:sp>
@@ -4964,8 +4948,8 @@
         </p:nvSpPr>
         <p:spPr>
           <a:xfrm rot="5400000">
-            <a:off x="2696049" y="6345111"/>
-            <a:ext cx="1046375" cy="261610"/>
+            <a:off x="2696049" y="6322028"/>
+            <a:ext cx="1046375" cy="307777"/>
           </a:xfrm>
           <a:prstGeom prst="rect">
             <a:avLst/>
@@ -4979,10 +4963,10 @@
           <a:lstStyle/>
           <a:p>
             <a:r>
-              <a:rPr lang="en-US" sz="1100" dirty="0" smtClean="0"/>
+              <a:rPr lang="en-US" sz="1400" dirty="0" smtClean="0"/>
               <a:t>SelLB_0</a:t>
             </a:r>
-            <a:endParaRPr lang="nl-BE" sz="1100" dirty="0"/>
+            <a:endParaRPr lang="nl-BE" sz="1400" dirty="0"/>
           </a:p>
         </p:txBody>
       </p:sp>
@@ -4994,8 +4978,8 @@
         </p:nvSpPr>
         <p:spPr>
           <a:xfrm rot="5400000">
-            <a:off x="3056089" y="6345111"/>
-            <a:ext cx="1046375" cy="261610"/>
+            <a:off x="3056089" y="6322028"/>
+            <a:ext cx="1046375" cy="307777"/>
           </a:xfrm>
           <a:prstGeom prst="rect">
             <a:avLst/>
@@ -5009,10 +4993,10 @@
           <a:lstStyle/>
           <a:p>
             <a:r>
-              <a:rPr lang="en-US" sz="1100" dirty="0" smtClean="0"/>
+              <a:rPr lang="en-US" sz="1400" dirty="0" smtClean="0"/>
               <a:t>SelREF_0</a:t>
             </a:r>
-            <a:endParaRPr lang="nl-BE" sz="1100" dirty="0"/>
+            <a:endParaRPr lang="nl-BE" sz="1400" dirty="0"/>
           </a:p>
         </p:txBody>
       </p:sp>
@@ -5024,8 +5008,8 @@
         </p:nvSpPr>
         <p:spPr>
           <a:xfrm rot="5400000">
-            <a:off x="3799253" y="6345111"/>
-            <a:ext cx="1046375" cy="261610"/>
+            <a:off x="3799253" y="6322028"/>
+            <a:ext cx="1046375" cy="307777"/>
           </a:xfrm>
           <a:prstGeom prst="rect">
             <a:avLst/>
@@ -5039,10 +5023,10 @@
           <a:lstStyle/>
           <a:p>
             <a:r>
-              <a:rPr lang="en-US" sz="1100" dirty="0" smtClean="0"/>
+              <a:rPr lang="en-US" sz="1400" dirty="0" smtClean="0"/>
               <a:t>SelLB_1</a:t>
             </a:r>
-            <a:endParaRPr lang="nl-BE" sz="1100" dirty="0"/>
+            <a:endParaRPr lang="nl-BE" sz="1400" dirty="0"/>
           </a:p>
         </p:txBody>
       </p:sp>
@@ -5054,8 +5038,8 @@
         </p:nvSpPr>
         <p:spPr>
           <a:xfrm rot="5400000">
-            <a:off x="3439213" y="6345111"/>
-            <a:ext cx="1046375" cy="261610"/>
+            <a:off x="3439213" y="6322028"/>
+            <a:ext cx="1046375" cy="307777"/>
           </a:xfrm>
           <a:prstGeom prst="rect">
             <a:avLst/>
@@ -5069,10 +5053,10 @@
           <a:lstStyle/>
           <a:p>
             <a:r>
-              <a:rPr lang="en-US" sz="1100" dirty="0" smtClean="0"/>
+              <a:rPr lang="en-US" sz="1400" dirty="0" smtClean="0"/>
               <a:t>SelREF_1</a:t>
             </a:r>
-            <a:endParaRPr lang="nl-BE" sz="1100" dirty="0"/>
+            <a:endParaRPr lang="nl-BE" sz="1400" dirty="0"/>
           </a:p>
         </p:txBody>
       </p:sp>
@@ -5084,8 +5068,8 @@
         </p:nvSpPr>
         <p:spPr>
           <a:xfrm rot="5400000">
-            <a:off x="3082511" y="5048967"/>
-            <a:ext cx="1046375" cy="261610"/>
+            <a:off x="3082511" y="4844909"/>
+            <a:ext cx="1046375" cy="307777"/>
           </a:xfrm>
           <a:prstGeom prst="rect">
             <a:avLst/>
@@ -5099,10 +5083,10 @@
           <a:lstStyle/>
           <a:p>
             <a:r>
-              <a:rPr lang="en-US" sz="1100" dirty="0" smtClean="0"/>
+              <a:rPr lang="en-US" sz="1400" dirty="0" smtClean="0"/>
               <a:t>LBen_0</a:t>
             </a:r>
-            <a:endParaRPr lang="nl-BE" sz="1100" dirty="0"/>
+            <a:endParaRPr lang="nl-BE" sz="1400" dirty="0"/>
           </a:p>
         </p:txBody>
       </p:sp>
@@ -5114,8 +5098,8 @@
         </p:nvSpPr>
         <p:spPr>
           <a:xfrm rot="5400000">
-            <a:off x="2722471" y="5048967"/>
-            <a:ext cx="1046375" cy="261610"/>
+            <a:off x="2722471" y="4844909"/>
+            <a:ext cx="1046375" cy="307777"/>
           </a:xfrm>
           <a:prstGeom prst="rect">
             <a:avLst/>
@@ -5129,10 +5113,10 @@
           <a:lstStyle/>
           <a:p>
             <a:r>
-              <a:rPr lang="en-US" sz="1100" dirty="0" smtClean="0"/>
+              <a:rPr lang="en-US" sz="1400" dirty="0" smtClean="0"/>
               <a:t>LBenbar_0</a:t>
             </a:r>
-            <a:endParaRPr lang="nl-BE" sz="1100" dirty="0"/>
+            <a:endParaRPr lang="nl-BE" sz="1400" dirty="0"/>
           </a:p>
         </p:txBody>
       </p:sp>
@@ -5144,8 +5128,8 @@
         </p:nvSpPr>
         <p:spPr>
           <a:xfrm rot="5400000">
-            <a:off x="3802591" y="5048967"/>
-            <a:ext cx="1046375" cy="261610"/>
+            <a:off x="3802591" y="4844909"/>
+            <a:ext cx="1046375" cy="307777"/>
           </a:xfrm>
           <a:prstGeom prst="rect">
             <a:avLst/>
@@ -5159,10 +5143,10 @@
           <a:lstStyle/>
           <a:p>
             <a:r>
-              <a:rPr lang="en-US" sz="1100" dirty="0" smtClean="0"/>
+              <a:rPr lang="en-US" sz="1400" dirty="0" smtClean="0"/>
               <a:t>LBen_1</a:t>
             </a:r>
-            <a:endParaRPr lang="nl-BE" sz="1100" dirty="0"/>
+            <a:endParaRPr lang="nl-BE" sz="1400" dirty="0"/>
           </a:p>
         </p:txBody>
       </p:sp>
@@ -5174,8 +5158,8 @@
         </p:nvSpPr>
         <p:spPr>
           <a:xfrm rot="5400000">
-            <a:off x="3442551" y="5048967"/>
-            <a:ext cx="1046375" cy="261610"/>
+            <a:off x="3442551" y="4844909"/>
+            <a:ext cx="1046375" cy="307777"/>
           </a:xfrm>
           <a:prstGeom prst="rect">
             <a:avLst/>
@@ -5189,10 +5173,10 @@
           <a:lstStyle/>
           <a:p>
             <a:r>
-              <a:rPr lang="en-US" sz="1100" dirty="0" smtClean="0"/>
+              <a:rPr lang="en-US" sz="1400" dirty="0" smtClean="0"/>
               <a:t>LBenbar_1</a:t>
             </a:r>
-            <a:endParaRPr lang="nl-BE" sz="1100" dirty="0"/>
+            <a:endParaRPr lang="nl-BE" sz="1400" dirty="0"/>
           </a:p>
         </p:txBody>
       </p:sp>
@@ -5204,8 +5188,8 @@
         </p:nvSpPr>
         <p:spPr>
           <a:xfrm rot="5400000">
-            <a:off x="2434439" y="5048967"/>
-            <a:ext cx="1046375" cy="261610"/>
+            <a:off x="2434439" y="5025884"/>
+            <a:ext cx="1046375" cy="307777"/>
           </a:xfrm>
           <a:prstGeom prst="rect">
             <a:avLst/>
@@ -5219,10 +5203,10 @@
           <a:lstStyle/>
           <a:p>
             <a:r>
-              <a:rPr lang="en-US" sz="1100" dirty="0" err="1" smtClean="0"/>
+              <a:rPr lang="en-US" sz="1400" dirty="0" err="1" smtClean="0"/>
               <a:t>GBen</a:t>
             </a:r>
-            <a:endParaRPr lang="nl-BE" sz="1100" dirty="0"/>
+            <a:endParaRPr lang="nl-BE" sz="1400" dirty="0"/>
           </a:p>
         </p:txBody>
       </p:sp>
@@ -7102,10 +7086,10 @@
           <a:p>
             <a:pPr algn="ctr"/>
             <a:r>
-              <a:rPr lang="en-US" sz="1600" dirty="0"/>
+              <a:rPr lang="en-US" sz="1800" dirty="0"/>
               <a:t>LB0</a:t>
             </a:r>
-            <a:endParaRPr lang="nl-BE" sz="1600" dirty="0"/>
+            <a:endParaRPr lang="nl-BE" sz="1800" dirty="0"/>
           </a:p>
         </p:txBody>
       </p:sp>
@@ -7684,8 +7668,8 @@
         </p:nvSpPr>
         <p:spPr>
           <a:xfrm rot="5400000">
-            <a:off x="2862233" y="8629105"/>
-            <a:ext cx="578322" cy="261610"/>
+            <a:off x="2725645" y="8599733"/>
+            <a:ext cx="794347" cy="307777"/>
           </a:xfrm>
           <a:prstGeom prst="rect">
             <a:avLst/>
@@ -7699,10 +7683,10 @@
           <a:lstStyle/>
           <a:p>
             <a:r>
-              <a:rPr lang="en-US" sz="1100" dirty="0" smtClean="0"/>
+              <a:rPr lang="en-US" sz="1400" dirty="0" smtClean="0"/>
               <a:t>out_0</a:t>
             </a:r>
-            <a:endParaRPr lang="nl-BE" sz="1100" dirty="0"/>
+            <a:endParaRPr lang="nl-BE" sz="1400" dirty="0"/>
           </a:p>
         </p:txBody>
       </p:sp>
@@ -7714,8 +7698,8 @@
         </p:nvSpPr>
         <p:spPr>
           <a:xfrm rot="5400000">
-            <a:off x="3959388" y="8630237"/>
-            <a:ext cx="576065" cy="261610"/>
+            <a:off x="3900050" y="8618867"/>
+            <a:ext cx="828092" cy="307777"/>
           </a:xfrm>
           <a:prstGeom prst="rect">
             <a:avLst/>
@@ -7729,10 +7713,10 @@
           <a:lstStyle/>
           <a:p>
             <a:r>
-              <a:rPr lang="en-US" sz="1100" dirty="0" smtClean="0"/>
+              <a:rPr lang="en-US" sz="1400" dirty="0"/>
               <a:t>out_1</a:t>
             </a:r>
-            <a:endParaRPr lang="nl-BE" sz="1100" dirty="0"/>
+            <a:endParaRPr lang="nl-BE" sz="1400" dirty="0"/>
           </a:p>
         </p:txBody>
       </p:sp>
@@ -7753,7 +7737,7 @@
           <a:noFill/>
           <a:ln>
             <a:solidFill>
-              <a:srgbClr val="009644"/>
+              <a:srgbClr val="0000FF"/>
             </a:solidFill>
             <a:prstDash val="dash"/>
           </a:ln>
@@ -7825,10 +7809,10 @@
           <a:p>
             <a:pPr algn="ctr"/>
             <a:r>
-              <a:rPr lang="en-US" sz="1600" dirty="0"/>
+              <a:rPr lang="en-US" sz="1800" dirty="0"/>
               <a:t>Branch_1</a:t>
             </a:r>
-            <a:endParaRPr lang="nl-BE" sz="1600" dirty="0"/>
+            <a:endParaRPr lang="nl-BE" sz="1800" dirty="0"/>
           </a:p>
         </p:txBody>
       </p:sp>
@@ -7872,10 +7856,10 @@
           <a:p>
             <a:pPr algn="ctr"/>
             <a:r>
-              <a:rPr lang="en-US" sz="1600" dirty="0"/>
+              <a:rPr lang="en-US" sz="1800" dirty="0"/>
               <a:t>Branch_31</a:t>
             </a:r>
-            <a:endParaRPr lang="nl-BE" sz="1600" dirty="0"/>
+            <a:endParaRPr lang="nl-BE" sz="1800" dirty="0"/>
           </a:p>
         </p:txBody>
       </p:sp>
@@ -8236,7 +8220,7 @@
         <p:spPr>
           <a:xfrm>
             <a:off x="6470549" y="4935034"/>
-            <a:ext cx="1046375" cy="261610"/>
+            <a:ext cx="1046375" cy="307777"/>
           </a:xfrm>
           <a:prstGeom prst="rect">
             <a:avLst/>
@@ -8250,14 +8234,14 @@
           <a:lstStyle/>
           <a:p>
             <a:r>
-              <a:rPr lang="en-US" sz="1100" dirty="0" err="1" smtClean="0"/>
+              <a:rPr lang="en-US" sz="1400" dirty="0" err="1" smtClean="0"/>
               <a:t>LB</a:t>
             </a:r>
             <a:r>
-              <a:rPr lang="en-US" sz="1100" dirty="0" err="1" smtClean="0"/>
+              <a:rPr lang="en-US" sz="1400" dirty="0" err="1" smtClean="0"/>
               <a:t>out</a:t>
             </a:r>
-            <a:endParaRPr lang="nl-BE" sz="1100" dirty="0"/>
+            <a:endParaRPr lang="nl-BE" sz="1400" dirty="0"/>
           </a:p>
         </p:txBody>
       </p:sp>
@@ -8333,8 +8317,8 @@
         </p:nvSpPr>
         <p:spPr>
           <a:xfrm rot="5400000">
-            <a:off x="5972414" y="5445011"/>
-            <a:ext cx="1046375" cy="261610"/>
+            <a:off x="5924789" y="5383828"/>
+            <a:ext cx="1046375" cy="307777"/>
           </a:xfrm>
           <a:prstGeom prst="rect">
             <a:avLst/>
@@ -8348,10 +8332,10 @@
           <a:lstStyle/>
           <a:p>
             <a:r>
-              <a:rPr lang="en-US" sz="1100" dirty="0" smtClean="0"/>
+              <a:rPr lang="en-US" sz="1400" dirty="0" smtClean="0"/>
               <a:t>SelLB_1</a:t>
             </a:r>
-            <a:endParaRPr lang="nl-BE" sz="1100" dirty="0"/>
+            <a:endParaRPr lang="nl-BE" sz="1400" dirty="0"/>
           </a:p>
         </p:txBody>
       </p:sp>
@@ -8363,8 +8347,8 @@
         </p:nvSpPr>
         <p:spPr>
           <a:xfrm>
-            <a:off x="6470549" y="8679450"/>
-            <a:ext cx="1046375" cy="261610"/>
+            <a:off x="6413399" y="8660400"/>
+            <a:ext cx="1046375" cy="307777"/>
           </a:xfrm>
           <a:prstGeom prst="rect">
             <a:avLst/>
@@ -8378,10 +8362,10 @@
           <a:lstStyle/>
           <a:p>
             <a:r>
-              <a:rPr lang="en-US" sz="1100" dirty="0" smtClean="0"/>
+              <a:rPr lang="en-US" sz="1400" dirty="0" smtClean="0"/>
               <a:t>SelLB_1</a:t>
             </a:r>
-            <a:endParaRPr lang="nl-BE" sz="1100" dirty="0"/>
+            <a:endParaRPr lang="nl-BE" sz="1400" dirty="0"/>
           </a:p>
         </p:txBody>
       </p:sp>
@@ -10120,7 +10104,7 @@
         <p:spPr>
           <a:xfrm>
             <a:off x="8774805" y="1910698"/>
-            <a:ext cx="1046375" cy="261610"/>
+            <a:ext cx="1046375" cy="307777"/>
           </a:xfrm>
           <a:prstGeom prst="rect">
             <a:avLst/>
@@ -10134,10 +10118,10 @@
           <a:lstStyle/>
           <a:p>
             <a:r>
-              <a:rPr lang="en-US" sz="1100" dirty="0" smtClean="0"/>
+              <a:rPr lang="en-US" sz="1400" dirty="0" smtClean="0"/>
               <a:t>WL_0</a:t>
             </a:r>
-            <a:endParaRPr lang="nl-BE" sz="1100" dirty="0"/>
+            <a:endParaRPr lang="nl-BE" sz="1400" dirty="0"/>
           </a:p>
         </p:txBody>
       </p:sp>
@@ -10158,7 +10142,7 @@
           <a:noFill/>
           <a:ln>
             <a:solidFill>
-              <a:srgbClr val="009644"/>
+              <a:srgbClr val="0000FF"/>
             </a:solidFill>
             <a:prstDash val="dash"/>
           </a:ln>
@@ -10198,8 +10182,8 @@
         </p:nvSpPr>
         <p:spPr>
           <a:xfrm>
-            <a:off x="8954825" y="1704256"/>
-            <a:ext cx="1046375" cy="261610"/>
+            <a:off x="8954825" y="1666156"/>
+            <a:ext cx="1046375" cy="307777"/>
           </a:xfrm>
           <a:prstGeom prst="rect">
             <a:avLst/>
@@ -10213,16 +10197,16 @@
           <a:lstStyle/>
           <a:p>
             <a:r>
-              <a:rPr lang="en-US" sz="1100" b="1" dirty="0" smtClean="0">
+              <a:rPr lang="en-US" sz="1400" b="1" dirty="0" smtClean="0">
                 <a:solidFill>
-                  <a:srgbClr val="009644"/>
+                  <a:srgbClr val="0000FF"/>
                 </a:solidFill>
               </a:rPr>
               <a:t>Cell_0</a:t>
             </a:r>
-            <a:endParaRPr lang="nl-BE" sz="1100" b="1" dirty="0">
+            <a:endParaRPr lang="nl-BE" sz="1400" b="1" dirty="0">
               <a:solidFill>
-                <a:srgbClr val="009644"/>
+                <a:srgbClr val="0000FF"/>
               </a:solidFill>
             </a:endParaRPr>
           </a:p>
@@ -10236,8 +10220,8 @@
         </p:nvSpPr>
         <p:spPr>
           <a:xfrm>
-            <a:off x="8594785" y="3720480"/>
-            <a:ext cx="864096" cy="540060"/>
+            <a:off x="8594785" y="3758580"/>
+            <a:ext cx="864096" cy="465956"/>
           </a:xfrm>
           <a:prstGeom prst="rect">
             <a:avLst/>
@@ -10245,7 +10229,7 @@
           <a:noFill/>
           <a:ln>
             <a:solidFill>
-              <a:srgbClr val="009644"/>
+              <a:srgbClr val="0000FF"/>
             </a:solidFill>
             <a:prstDash val="dash"/>
           </a:ln>
@@ -10271,7 +10255,7 @@
             <a:pPr algn="ctr"/>
             <a:endParaRPr lang="nl-BE" dirty="0">
               <a:solidFill>
-                <a:srgbClr val="009644"/>
+                <a:srgbClr val="0000FF"/>
               </a:solidFill>
             </a:endParaRPr>
           </a:p>
@@ -10285,8 +10269,8 @@
         </p:nvSpPr>
         <p:spPr>
           <a:xfrm>
-            <a:off x="8954825" y="3504456"/>
-            <a:ext cx="1046375" cy="261610"/>
+            <a:off x="8926250" y="3513981"/>
+            <a:ext cx="1046375" cy="307777"/>
           </a:xfrm>
           <a:prstGeom prst="rect">
             <a:avLst/>
@@ -10300,16 +10284,16 @@
           <a:lstStyle/>
           <a:p>
             <a:r>
-              <a:rPr lang="en-US" sz="1100" b="1" dirty="0" smtClean="0">
+              <a:rPr lang="en-US" sz="1400" b="1" dirty="0" smtClean="0">
                 <a:solidFill>
-                  <a:srgbClr val="009644"/>
+                  <a:srgbClr val="0000FF"/>
                 </a:solidFill>
               </a:rPr>
               <a:t>Ref cell</a:t>
             </a:r>
-            <a:endParaRPr lang="nl-BE" sz="1100" b="1" dirty="0">
+            <a:endParaRPr lang="nl-BE" sz="1400" b="1" dirty="0">
               <a:solidFill>
-                <a:srgbClr val="009644"/>
+                <a:srgbClr val="0000FF"/>
               </a:solidFill>
             </a:endParaRPr>
           </a:p>
@@ -10404,14 +10388,14 @@
             <a:p>
               <a:pPr algn="ctr"/>
               <a:r>
-                <a:rPr lang="en-US" sz="1100" dirty="0" smtClean="0">
+                <a:rPr lang="en-US" sz="1400" dirty="0" smtClean="0">
                   <a:solidFill>
                     <a:schemeClr val="tx1"/>
                   </a:solidFill>
                 </a:rPr>
                 <a:t>Cell_1</a:t>
               </a:r>
-              <a:endParaRPr lang="nl-BE" sz="1100" dirty="0">
+              <a:endParaRPr lang="nl-BE" sz="1400" dirty="0">
                 <a:solidFill>
                   <a:schemeClr val="tx1"/>
                 </a:solidFill>
@@ -10614,14 +10598,14 @@
             <a:p>
               <a:pPr algn="ctr"/>
               <a:r>
-                <a:rPr lang="en-US" sz="1100" dirty="0" smtClean="0">
+                <a:rPr lang="en-US" sz="1400" dirty="0" smtClean="0">
                   <a:solidFill>
                     <a:schemeClr val="tx1"/>
                   </a:solidFill>
                 </a:rPr>
                 <a:t>Cell_31</a:t>
               </a:r>
-              <a:endParaRPr lang="nl-BE" sz="1100" dirty="0">
+              <a:endParaRPr lang="nl-BE" sz="1400" dirty="0">
                 <a:solidFill>
                   <a:schemeClr val="tx1"/>
                 </a:solidFill>
@@ -10639,7 +10623,7 @@
         <p:spPr>
           <a:xfrm>
             <a:off x="6472808" y="480120"/>
-            <a:ext cx="1046375" cy="261610"/>
+            <a:ext cx="1046375" cy="307777"/>
           </a:xfrm>
           <a:prstGeom prst="rect">
             <a:avLst/>
@@ -10653,10 +10637,10 @@
           <a:lstStyle/>
           <a:p>
             <a:r>
-              <a:rPr lang="en-US" sz="1100" dirty="0" err="1" smtClean="0"/>
+              <a:rPr lang="en-US" sz="1400" dirty="0" err="1" smtClean="0"/>
               <a:t>BL_x</a:t>
             </a:r>
-            <a:endParaRPr lang="nl-BE" sz="1100" dirty="0"/>
+            <a:endParaRPr lang="nl-BE" sz="1400" dirty="0"/>
           </a:p>
         </p:txBody>
       </p:sp>
@@ -10669,7 +10653,7 @@
         <p:spPr>
           <a:xfrm>
             <a:off x="6400800" y="1668252"/>
-            <a:ext cx="1046375" cy="261610"/>
+            <a:ext cx="1046375" cy="276999"/>
           </a:xfrm>
           <a:prstGeom prst="rect">
             <a:avLst/>
@@ -10683,10 +10667,10 @@
           <a:lstStyle/>
           <a:p>
             <a:r>
-              <a:rPr lang="en-US" sz="1100" dirty="0" err="1" smtClean="0"/>
+              <a:rPr lang="en-US" sz="1200" dirty="0" err="1" smtClean="0"/>
               <a:t>SelREF</a:t>
             </a:r>
-            <a:endParaRPr lang="nl-BE" sz="1100" dirty="0"/>
+            <a:endParaRPr lang="nl-BE" sz="1200" dirty="0"/>
           </a:p>
         </p:txBody>
       </p:sp>
@@ -10899,8 +10883,8 @@
         </p:nvSpPr>
         <p:spPr>
           <a:xfrm>
-            <a:off x="2908412" y="7887362"/>
-            <a:ext cx="396044" cy="261610"/>
+            <a:off x="2889362" y="7887362"/>
+            <a:ext cx="396044" cy="307777"/>
           </a:xfrm>
           <a:prstGeom prst="rect">
             <a:avLst/>
@@ -10914,16 +10898,16 @@
           <a:lstStyle/>
           <a:p>
             <a:r>
-              <a:rPr lang="en-US" sz="1100" b="1" dirty="0" smtClean="0">
+              <a:rPr lang="en-US" sz="1400" b="1" dirty="0" smtClean="0">
                 <a:solidFill>
-                  <a:srgbClr val="009644"/>
+                  <a:srgbClr val="0000FF"/>
                 </a:solidFill>
               </a:rPr>
               <a:t>SA</a:t>
             </a:r>
-            <a:endParaRPr lang="nl-BE" sz="1100" b="1" dirty="0">
+            <a:endParaRPr lang="nl-BE" sz="1400" b="1" dirty="0">
               <a:solidFill>
-                <a:srgbClr val="009644"/>
+                <a:srgbClr val="0000FF"/>
               </a:solidFill>
             </a:endParaRPr>
           </a:p>
@@ -10938,7 +10922,7 @@
         <p:spPr>
           <a:xfrm>
             <a:off x="9641160" y="876164"/>
-            <a:ext cx="1046375" cy="261610"/>
+            <a:ext cx="1046375" cy="307777"/>
           </a:xfrm>
           <a:prstGeom prst="rect">
             <a:avLst/>
@@ -10952,14 +10936,14 @@
           <a:lstStyle/>
           <a:p>
             <a:r>
-              <a:rPr lang="en-US" sz="1100" b="1" dirty="0" smtClean="0">
+              <a:rPr lang="en-US" sz="1400" b="1" dirty="0" smtClean="0">
                 <a:solidFill>
                   <a:srgbClr val="FF0000"/>
                 </a:solidFill>
               </a:rPr>
               <a:t>BL</a:t>
             </a:r>
-            <a:endParaRPr lang="nl-BE" sz="1100" b="1" dirty="0">
+            <a:endParaRPr lang="nl-BE" sz="1400" b="1" dirty="0">
               <a:solidFill>
                 <a:srgbClr val="FF0000"/>
               </a:solidFill>
@@ -10975,8 +10959,8 @@
         </p:nvSpPr>
         <p:spPr>
           <a:xfrm>
-            <a:off x="8417024" y="1370638"/>
-            <a:ext cx="1046375" cy="261610"/>
+            <a:off x="8417024" y="1308212"/>
+            <a:ext cx="1046375" cy="307777"/>
           </a:xfrm>
           <a:prstGeom prst="rect">
             <a:avLst/>
@@ -10990,7 +10974,7 @@
           <a:lstStyle/>
           <a:p>
             <a:r>
-              <a:rPr lang="en-US" sz="1100" b="1" dirty="0">
+              <a:rPr lang="en-US" sz="1400" b="1" dirty="0">
                 <a:solidFill>
                   <a:srgbClr val="FF0000"/>
                 </a:solidFill>
@@ -10998,14 +10982,14 @@
               <a:t>S</a:t>
             </a:r>
             <a:r>
-              <a:rPr lang="en-US" sz="1100" b="1" dirty="0" smtClean="0">
+              <a:rPr lang="en-US" sz="1400" b="1" dirty="0" smtClean="0">
                 <a:solidFill>
                   <a:srgbClr val="FF0000"/>
                 </a:solidFill>
               </a:rPr>
               <a:t>L</a:t>
             </a:r>
-            <a:endParaRPr lang="nl-BE" sz="1100" b="1" dirty="0">
+            <a:endParaRPr lang="nl-BE" sz="1400" b="1" dirty="0">
               <a:solidFill>
                 <a:srgbClr val="FF0000"/>
               </a:solidFill>
@@ -11022,7 +11006,7 @@
         <p:spPr>
           <a:xfrm>
             <a:off x="1576264" y="192088"/>
-            <a:ext cx="2052228" cy="307777"/>
+            <a:ext cx="2052228" cy="338554"/>
           </a:xfrm>
           <a:prstGeom prst="rect">
             <a:avLst/>
@@ -11036,14 +11020,14 @@
           <a:lstStyle/>
           <a:p>
             <a:r>
-              <a:rPr lang="en-US" sz="1400" b="1" dirty="0" smtClean="0">
+              <a:rPr lang="en-US" sz="1600" b="1" dirty="0" smtClean="0">
                 <a:solidFill>
                   <a:srgbClr val="FF0000"/>
                 </a:solidFill>
               </a:rPr>
               <a:t>Global  Architecture</a:t>
             </a:r>
-            <a:endParaRPr lang="nl-BE" sz="1400" b="1" dirty="0">
+            <a:endParaRPr lang="nl-BE" sz="1600" b="1" dirty="0">
               <a:solidFill>
                 <a:srgbClr val="FF0000"/>
               </a:solidFill>
@@ -11060,7 +11044,7 @@
         <p:spPr>
           <a:xfrm>
             <a:off x="1576264" y="4738688"/>
-            <a:ext cx="2052228" cy="307777"/>
+            <a:ext cx="2052228" cy="338554"/>
           </a:xfrm>
           <a:prstGeom prst="rect">
             <a:avLst/>
@@ -11074,14 +11058,14 @@
           <a:lstStyle/>
           <a:p>
             <a:r>
-              <a:rPr lang="en-US" sz="1400" b="1" dirty="0" smtClean="0">
+              <a:rPr lang="en-US" sz="1600" b="1" dirty="0" smtClean="0">
                 <a:solidFill>
                   <a:srgbClr val="FF0000"/>
                 </a:solidFill>
               </a:rPr>
               <a:t>Global  Block</a:t>
             </a:r>
-            <a:endParaRPr lang="nl-BE" sz="1400" b="1" dirty="0">
+            <a:endParaRPr lang="nl-BE" sz="1600" b="1" dirty="0">
               <a:solidFill>
                 <a:srgbClr val="FF0000"/>
               </a:solidFill>
@@ -11097,8 +11081,8 @@
         </p:nvSpPr>
         <p:spPr>
           <a:xfrm>
-            <a:off x="6324600" y="4738688"/>
-            <a:ext cx="2052228" cy="307777"/>
+            <a:off x="6324600" y="4710113"/>
+            <a:ext cx="2052228" cy="338554"/>
           </a:xfrm>
           <a:prstGeom prst="rect">
             <a:avLst/>
@@ -11112,7 +11096,7 @@
           <a:lstStyle/>
           <a:p>
             <a:r>
-              <a:rPr lang="en-US" sz="1400" b="1" dirty="0" smtClean="0">
+              <a:rPr lang="en-US" sz="1600" b="1" dirty="0" smtClean="0">
                 <a:solidFill>
                   <a:srgbClr val="FF0000"/>
                 </a:solidFill>
@@ -11120,14 +11104,14 @@
               <a:t>Local</a:t>
             </a:r>
             <a:r>
-              <a:rPr lang="en-US" sz="1400" b="1" dirty="0" smtClean="0">
+              <a:rPr lang="en-US" sz="1600" b="1" dirty="0" smtClean="0">
                 <a:solidFill>
                   <a:srgbClr val="FF0000"/>
                 </a:solidFill>
               </a:rPr>
               <a:t>  Block</a:t>
             </a:r>
-            <a:endParaRPr lang="nl-BE" sz="1400" b="1" dirty="0">
+            <a:endParaRPr lang="nl-BE" sz="1600" b="1" dirty="0">
               <a:solidFill>
                 <a:srgbClr val="FF0000"/>
               </a:solidFill>
@@ -11144,7 +11128,7 @@
         <p:spPr>
           <a:xfrm>
             <a:off x="6322380" y="213296"/>
-            <a:ext cx="2052228" cy="307777"/>
+            <a:ext cx="2052228" cy="338554"/>
           </a:xfrm>
           <a:prstGeom prst="rect">
             <a:avLst/>
@@ -11158,16 +11142,148 @@
           <a:lstStyle/>
           <a:p>
             <a:r>
-              <a:rPr lang="en-US" sz="1400" b="1" dirty="0" smtClean="0">
+              <a:rPr lang="en-US" sz="1600" b="1" dirty="0" smtClean="0">
                 <a:solidFill>
                   <a:srgbClr val="FF0000"/>
                 </a:solidFill>
               </a:rPr>
               <a:t>Branch</a:t>
             </a:r>
+            <a:endParaRPr lang="nl-BE" sz="1600" b="1" dirty="0">
+              <a:solidFill>
+                <a:srgbClr val="FF0000"/>
+              </a:solidFill>
+            </a:endParaRPr>
+          </a:p>
+        </p:txBody>
+      </p:sp>
+      <p:sp>
+        <p:nvSpPr>
+          <p:cNvPr id="596" name="Rectangle 595"/>
+          <p:cNvSpPr/>
+          <p:nvPr/>
+        </p:nvSpPr>
+        <p:spPr>
+          <a:xfrm>
+            <a:off x="1792288" y="516124"/>
+            <a:ext cx="1548172" cy="324036"/>
+          </a:xfrm>
+          <a:prstGeom prst="rect">
+            <a:avLst/>
+          </a:prstGeom>
+          <a:ln>
+            <a:solidFill>
+              <a:schemeClr val="tx1"/>
+            </a:solidFill>
+          </a:ln>
+        </p:spPr>
+        <p:style>
+          <a:lnRef idx="2">
+            <a:schemeClr val="accent1"/>
+          </a:lnRef>
+          <a:fillRef idx="1">
+            <a:schemeClr val="lt1"/>
+          </a:fillRef>
+          <a:effectRef idx="0">
+            <a:schemeClr val="accent1"/>
+          </a:effectRef>
+          <a:fontRef idx="minor">
+            <a:schemeClr val="dk1"/>
+          </a:fontRef>
+        </p:style>
+        <p:txBody>
+          <a:bodyPr rtlCol="0" anchor="ctr"/>
+          <a:lstStyle/>
+          <a:p>
+            <a:pPr algn="ctr"/>
+            <a:r>
+              <a:rPr lang="en-US" sz="1800" dirty="0" smtClean="0"/>
+              <a:t>Data out</a:t>
+            </a:r>
+            <a:endParaRPr lang="nl-BE" sz="1800" dirty="0"/>
+          </a:p>
+        </p:txBody>
+      </p:sp>
+      <p:sp>
+        <p:nvSpPr>
+          <p:cNvPr id="597" name="Rectangle 596"/>
+          <p:cNvSpPr/>
+          <p:nvPr/>
+        </p:nvSpPr>
+        <p:spPr>
+          <a:xfrm>
+            <a:off x="3520480" y="516124"/>
+            <a:ext cx="1548172" cy="324036"/>
+          </a:xfrm>
+          <a:prstGeom prst="rect">
+            <a:avLst/>
+          </a:prstGeom>
+          <a:ln>
+            <a:solidFill>
+              <a:schemeClr val="tx1"/>
+            </a:solidFill>
+          </a:ln>
+        </p:spPr>
+        <p:style>
+          <a:lnRef idx="2">
+            <a:schemeClr val="accent1"/>
+          </a:lnRef>
+          <a:fillRef idx="1">
+            <a:schemeClr val="lt1"/>
+          </a:fillRef>
+          <a:effectRef idx="0">
+            <a:schemeClr val="accent1"/>
+          </a:effectRef>
+          <a:fontRef idx="minor">
+            <a:schemeClr val="dk1"/>
+          </a:fontRef>
+        </p:style>
+        <p:txBody>
+          <a:bodyPr rtlCol="0" anchor="ctr"/>
+          <a:lstStyle/>
+          <a:p>
+            <a:pPr algn="ctr"/>
+            <a:r>
+              <a:rPr lang="en-US" sz="1800" dirty="0" smtClean="0"/>
+              <a:t>Address in</a:t>
+            </a:r>
+            <a:endParaRPr lang="nl-BE" sz="1800" dirty="0"/>
+          </a:p>
+        </p:txBody>
+      </p:sp>
+      <p:sp>
+        <p:nvSpPr>
+          <p:cNvPr id="598" name="TextBox 597"/>
+          <p:cNvSpPr txBox="1"/>
+          <p:nvPr/>
+        </p:nvSpPr>
+        <p:spPr>
+          <a:xfrm>
+            <a:off x="8993088" y="516124"/>
+            <a:ext cx="1332148" cy="307777"/>
+          </a:xfrm>
+          <a:prstGeom prst="rect">
+            <a:avLst/>
+          </a:prstGeom>
+          <a:noFill/>
+        </p:spPr>
+        <p:txBody>
+          <a:bodyPr wrap="square" rtlCol="0">
+            <a:spAutoFit/>
+          </a:bodyPr>
+          <a:lstStyle/>
+          <a:p>
+            <a:r>
+              <a:rPr lang="en-US" sz="1400" b="1" dirty="0" smtClean="0">
+                <a:solidFill>
+                  <a:srgbClr val="0000FF"/>
+                </a:solidFill>
+              </a:rPr>
+              <a:t>Load transistor</a:t>
+            </a:r>
             <a:endParaRPr lang="nl-BE" sz="1400" b="1" dirty="0">
               <a:solidFill>
-                <a:srgbClr val="FF0000"/>
+                <a:srgbClr val="0000FF"/>
               </a:solidFill>
             </a:endParaRPr>
           </a:p>

--- a/Thesis/fig/figure paper.pptx
+++ b/Thesis/fig/figure paper.pptx
@@ -4269,14 +4269,14 @@
       </p:cxnSp>
       <p:sp>
         <p:nvSpPr>
-          <p:cNvPr id="7" name="Rectangle 6"/>
+          <p:cNvPr id="12" name="Rectangle 11"/>
           <p:cNvSpPr/>
           <p:nvPr/>
         </p:nvSpPr>
         <p:spPr>
           <a:xfrm>
-            <a:off x="1792288" y="1128192"/>
-            <a:ext cx="576064" cy="3096344"/>
+            <a:off x="4780620" y="1128192"/>
+            <a:ext cx="900100" cy="3096344"/>
           </a:xfrm>
           <a:prstGeom prst="rect">
             <a:avLst/>
@@ -4307,147 +4307,6 @@
           <a:p>
             <a:pPr algn="ctr"/>
             <a:r>
-              <a:rPr lang="en-US" sz="1800" dirty="0" smtClean="0"/>
-              <a:t>GB0</a:t>
-            </a:r>
-            <a:endParaRPr lang="nl-BE" sz="1800" dirty="0"/>
-          </a:p>
-        </p:txBody>
-      </p:sp>
-      <p:sp>
-        <p:nvSpPr>
-          <p:cNvPr id="10" name="Rectangle 9"/>
-          <p:cNvSpPr/>
-          <p:nvPr/>
-        </p:nvSpPr>
-        <p:spPr>
-          <a:xfrm>
-            <a:off x="2512368" y="1128192"/>
-            <a:ext cx="576064" cy="3096344"/>
-          </a:xfrm>
-          <a:prstGeom prst="rect">
-            <a:avLst/>
-          </a:prstGeom>
-          <a:ln>
-            <a:solidFill>
-              <a:schemeClr val="tx1"/>
-            </a:solidFill>
-          </a:ln>
-        </p:spPr>
-        <p:style>
-          <a:lnRef idx="2">
-            <a:schemeClr val="accent1"/>
-          </a:lnRef>
-          <a:fillRef idx="1">
-            <a:schemeClr val="lt1"/>
-          </a:fillRef>
-          <a:effectRef idx="0">
-            <a:schemeClr val="accent1"/>
-          </a:effectRef>
-          <a:fontRef idx="minor">
-            <a:schemeClr val="dk1"/>
-          </a:fontRef>
-        </p:style>
-        <p:txBody>
-          <a:bodyPr rtlCol="0" anchor="ctr"/>
-          <a:lstStyle/>
-          <a:p>
-            <a:pPr algn="ctr"/>
-            <a:r>
-              <a:rPr lang="en-US" sz="1800" dirty="0"/>
-              <a:t>GB1</a:t>
-            </a:r>
-            <a:endParaRPr lang="nl-BE" sz="1800" dirty="0"/>
-          </a:p>
-        </p:txBody>
-      </p:sp>
-      <p:sp>
-        <p:nvSpPr>
-          <p:cNvPr id="11" name="Rectangle 10"/>
-          <p:cNvSpPr/>
-          <p:nvPr/>
-        </p:nvSpPr>
-        <p:spPr>
-          <a:xfrm>
-            <a:off x="3232448" y="1128192"/>
-            <a:ext cx="576064" cy="3096344"/>
-          </a:xfrm>
-          <a:prstGeom prst="rect">
-            <a:avLst/>
-          </a:prstGeom>
-          <a:ln>
-            <a:solidFill>
-              <a:schemeClr val="tx1"/>
-            </a:solidFill>
-          </a:ln>
-        </p:spPr>
-        <p:style>
-          <a:lnRef idx="2">
-            <a:schemeClr val="accent1"/>
-          </a:lnRef>
-          <a:fillRef idx="1">
-            <a:schemeClr val="lt1"/>
-          </a:fillRef>
-          <a:effectRef idx="0">
-            <a:schemeClr val="accent1"/>
-          </a:effectRef>
-          <a:fontRef idx="minor">
-            <a:schemeClr val="dk1"/>
-          </a:fontRef>
-        </p:style>
-        <p:txBody>
-          <a:bodyPr rtlCol="0" anchor="ctr"/>
-          <a:lstStyle/>
-          <a:p>
-            <a:pPr algn="ctr"/>
-            <a:r>
-              <a:rPr lang="en-US" sz="1600" b="1" dirty="0"/>
-              <a:t>…</a:t>
-            </a:r>
-            <a:endParaRPr lang="nl-BE" sz="1600" b="1" dirty="0"/>
-          </a:p>
-        </p:txBody>
-      </p:sp>
-      <p:sp>
-        <p:nvSpPr>
-          <p:cNvPr id="12" name="Rectangle 11"/>
-          <p:cNvSpPr/>
-          <p:nvPr/>
-        </p:nvSpPr>
-        <p:spPr>
-          <a:xfrm>
-            <a:off x="4024536" y="1128192"/>
-            <a:ext cx="900100" cy="3096344"/>
-          </a:xfrm>
-          <a:prstGeom prst="rect">
-            <a:avLst/>
-          </a:prstGeom>
-          <a:ln>
-            <a:solidFill>
-              <a:schemeClr val="tx1"/>
-            </a:solidFill>
-          </a:ln>
-        </p:spPr>
-        <p:style>
-          <a:lnRef idx="2">
-            <a:schemeClr val="accent1"/>
-          </a:lnRef>
-          <a:fillRef idx="1">
-            <a:schemeClr val="lt1"/>
-          </a:fillRef>
-          <a:effectRef idx="0">
-            <a:schemeClr val="accent1"/>
-          </a:effectRef>
-          <a:fontRef idx="minor">
-            <a:schemeClr val="dk1"/>
-          </a:fontRef>
-        </p:style>
-        <p:txBody>
-          <a:bodyPr rtlCol="0" anchor="ctr"/>
-          <a:lstStyle/>
-          <a:p>
-            <a:pPr algn="ctr"/>
-            <a:r>
               <a:rPr lang="en-US" sz="1800" dirty="0"/>
               <a:t>GB511</a:t>
             </a:r>
@@ -4455,18 +4314,18 @@
           </a:p>
         </p:txBody>
       </p:sp>
-      <p:sp>
-        <p:nvSpPr>
-          <p:cNvPr id="13" name="Rectangle 12"/>
-          <p:cNvSpPr/>
-          <p:nvPr/>
-        </p:nvSpPr>
-        <p:spPr>
-          <a:xfrm>
-            <a:off x="1720280" y="1056184"/>
-            <a:ext cx="720080" cy="3240360"/>
-          </a:xfrm>
-          <a:prstGeom prst="rect">
+      <p:cxnSp>
+        <p:nvCxnSpPr>
+          <p:cNvPr id="15" name="Straight Connector 14"/>
+          <p:cNvCxnSpPr/>
+          <p:nvPr/>
+        </p:nvCxnSpPr>
+        <p:spPr>
+          <a:xfrm flipH="1">
+            <a:off x="1576264" y="4296544"/>
+            <a:ext cx="144016" cy="432048"/>
+          </a:xfrm>
+          <a:prstGeom prst="line">
             <a:avLst/>
           </a:prstGeom>
           <a:noFill/>
@@ -4491,51 +4350,6 @@
             <a:schemeClr val="dk1"/>
           </a:fontRef>
         </p:style>
-        <p:txBody>
-          <a:bodyPr rtlCol="0" anchor="ctr"/>
-          <a:lstStyle/>
-          <a:p>
-            <a:pPr algn="ctr"/>
-            <a:endParaRPr lang="nl-BE"/>
-          </a:p>
-        </p:txBody>
-      </p:sp>
-      <p:cxnSp>
-        <p:nvCxnSpPr>
-          <p:cNvPr id="15" name="Straight Connector 14"/>
-          <p:cNvCxnSpPr/>
-          <p:nvPr/>
-        </p:nvCxnSpPr>
-        <p:spPr>
-          <a:xfrm flipH="1">
-            <a:off x="1576264" y="4296544"/>
-            <a:ext cx="144016" cy="432048"/>
-          </a:xfrm>
-          <a:prstGeom prst="line">
-            <a:avLst/>
-          </a:prstGeom>
-          <a:noFill/>
-          <a:ln>
-            <a:solidFill>
-              <a:srgbClr val="FF0000"/>
-            </a:solidFill>
-            <a:prstDash val="dash"/>
-          </a:ln>
-        </p:spPr>
-        <p:style>
-          <a:lnRef idx="2">
-            <a:schemeClr val="accent2"/>
-          </a:lnRef>
-          <a:fillRef idx="1">
-            <a:schemeClr val="lt1"/>
-          </a:fillRef>
-          <a:effectRef idx="0">
-            <a:schemeClr val="accent2"/>
-          </a:effectRef>
-          <a:fontRef idx="minor">
-            <a:schemeClr val="dk1"/>
-          </a:fontRef>
-        </p:style>
       </p:cxnSp>
       <p:cxnSp>
         <p:nvCxnSpPr>
@@ -4545,8 +4359,8 @@
         </p:nvCxnSpPr>
         <p:spPr>
           <a:xfrm>
-            <a:off x="2440360" y="4296544"/>
-            <a:ext cx="3384376" cy="432048"/>
+            <a:off x="2908412" y="4296544"/>
+            <a:ext cx="2916324" cy="432048"/>
           </a:xfrm>
           <a:prstGeom prst="line">
             <a:avLst/>
@@ -11289,6 +11103,192 @@
           </a:p>
         </p:txBody>
       </p:sp>
+      <p:sp>
+        <p:nvSpPr>
+          <p:cNvPr id="599" name="Rectangle 598"/>
+          <p:cNvSpPr/>
+          <p:nvPr/>
+        </p:nvSpPr>
+        <p:spPr>
+          <a:xfrm>
+            <a:off x="3796510" y="1128192"/>
+            <a:ext cx="900100" cy="3096344"/>
+          </a:xfrm>
+          <a:prstGeom prst="rect">
+            <a:avLst/>
+          </a:prstGeom>
+          <a:ln>
+            <a:solidFill>
+              <a:schemeClr val="tx1"/>
+            </a:solidFill>
+          </a:ln>
+        </p:spPr>
+        <p:style>
+          <a:lnRef idx="2">
+            <a:schemeClr val="accent1"/>
+          </a:lnRef>
+          <a:fillRef idx="1">
+            <a:schemeClr val="lt1"/>
+          </a:fillRef>
+          <a:effectRef idx="0">
+            <a:schemeClr val="accent1"/>
+          </a:effectRef>
+          <a:fontRef idx="minor">
+            <a:schemeClr val="dk1"/>
+          </a:fontRef>
+        </p:style>
+        <p:txBody>
+          <a:bodyPr rtlCol="0" anchor="ctr"/>
+          <a:lstStyle/>
+          <a:p>
+            <a:pPr algn="ctr"/>
+            <a:r>
+              <a:rPr lang="en-US" sz="1800" dirty="0" smtClean="0"/>
+              <a:t>…</a:t>
+            </a:r>
+            <a:endParaRPr lang="nl-BE" sz="1800" dirty="0"/>
+          </a:p>
+        </p:txBody>
+      </p:sp>
+      <p:sp>
+        <p:nvSpPr>
+          <p:cNvPr id="600" name="Rectangle 599"/>
+          <p:cNvSpPr/>
+          <p:nvPr/>
+        </p:nvSpPr>
+        <p:spPr>
+          <a:xfrm>
+            <a:off x="2812401" y="1128192"/>
+            <a:ext cx="900100" cy="3096344"/>
+          </a:xfrm>
+          <a:prstGeom prst="rect">
+            <a:avLst/>
+          </a:prstGeom>
+          <a:ln>
+            <a:solidFill>
+              <a:schemeClr val="tx1"/>
+            </a:solidFill>
+          </a:ln>
+        </p:spPr>
+        <p:style>
+          <a:lnRef idx="2">
+            <a:schemeClr val="accent1"/>
+          </a:lnRef>
+          <a:fillRef idx="1">
+            <a:schemeClr val="lt1"/>
+          </a:fillRef>
+          <a:effectRef idx="0">
+            <a:schemeClr val="accent1"/>
+          </a:effectRef>
+          <a:fontRef idx="minor">
+            <a:schemeClr val="dk1"/>
+          </a:fontRef>
+        </p:style>
+        <p:txBody>
+          <a:bodyPr rtlCol="0" anchor="ctr"/>
+          <a:lstStyle/>
+          <a:p>
+            <a:pPr algn="ctr"/>
+            <a:r>
+              <a:rPr lang="en-US" sz="1800" dirty="0" smtClean="0"/>
+              <a:t>GB1</a:t>
+            </a:r>
+            <a:endParaRPr lang="nl-BE" sz="1800" dirty="0"/>
+          </a:p>
+        </p:txBody>
+      </p:sp>
+      <p:sp>
+        <p:nvSpPr>
+          <p:cNvPr id="601" name="Rectangle 600"/>
+          <p:cNvSpPr/>
+          <p:nvPr/>
+        </p:nvSpPr>
+        <p:spPr>
+          <a:xfrm>
+            <a:off x="1828292" y="1128192"/>
+            <a:ext cx="900100" cy="3096344"/>
+          </a:xfrm>
+          <a:prstGeom prst="rect">
+            <a:avLst/>
+          </a:prstGeom>
+          <a:ln>
+            <a:solidFill>
+              <a:schemeClr val="tx1"/>
+            </a:solidFill>
+          </a:ln>
+        </p:spPr>
+        <p:style>
+          <a:lnRef idx="2">
+            <a:schemeClr val="accent1"/>
+          </a:lnRef>
+          <a:fillRef idx="1">
+            <a:schemeClr val="lt1"/>
+          </a:fillRef>
+          <a:effectRef idx="0">
+            <a:schemeClr val="accent1"/>
+          </a:effectRef>
+          <a:fontRef idx="minor">
+            <a:schemeClr val="dk1"/>
+          </a:fontRef>
+        </p:style>
+        <p:txBody>
+          <a:bodyPr rtlCol="0" anchor="ctr"/>
+          <a:lstStyle/>
+          <a:p>
+            <a:pPr algn="ctr"/>
+            <a:r>
+              <a:rPr lang="en-US" sz="1800" dirty="0" smtClean="0"/>
+              <a:t>GB0</a:t>
+            </a:r>
+            <a:endParaRPr lang="nl-BE" sz="1800" dirty="0"/>
+          </a:p>
+        </p:txBody>
+      </p:sp>
+      <p:sp>
+        <p:nvSpPr>
+          <p:cNvPr id="13" name="Rectangle 12"/>
+          <p:cNvSpPr/>
+          <p:nvPr/>
+        </p:nvSpPr>
+        <p:spPr>
+          <a:xfrm>
+            <a:off x="1720280" y="1056184"/>
+            <a:ext cx="1188132" cy="3240360"/>
+          </a:xfrm>
+          <a:prstGeom prst="rect">
+            <a:avLst/>
+          </a:prstGeom>
+          <a:noFill/>
+          <a:ln>
+            <a:solidFill>
+              <a:srgbClr val="FF0000"/>
+            </a:solidFill>
+            <a:prstDash val="dash"/>
+          </a:ln>
+        </p:spPr>
+        <p:style>
+          <a:lnRef idx="2">
+            <a:schemeClr val="accent2"/>
+          </a:lnRef>
+          <a:fillRef idx="1">
+            <a:schemeClr val="lt1"/>
+          </a:fillRef>
+          <a:effectRef idx="0">
+            <a:schemeClr val="accent2"/>
+          </a:effectRef>
+          <a:fontRef idx="minor">
+            <a:schemeClr val="dk1"/>
+          </a:fontRef>
+        </p:style>
+        <p:txBody>
+          <a:bodyPr rtlCol="0" anchor="ctr"/>
+          <a:lstStyle/>
+          <a:p>
+            <a:pPr algn="ctr"/>
+            <a:endParaRPr lang="nl-BE"/>
+          </a:p>
+        </p:txBody>
+      </p:sp>
     </p:spTree>
   </p:cSld>
   <p:clrMapOvr>
